--- a/runtime/experiments/results_slides/Sledge Meeting_10_26_2021.pptx
+++ b/runtime/experiments/results_slides/Sledge Meeting_10_26_2021.pptx
@@ -113,6 +113,11 @@
       </a:defRPr>
     </a:lvl9pPr>
   </p:defaultTextStyle>
+  <p:extLst>
+    <p:ext uri="{EFAFB233-063F-42B5-8137-9DF3F51BA10A}">
+      <p15:sldGuideLst xmlns:p15="http://schemas.microsoft.com/office/powerpoint/2012/main"/>
+    </p:ext>
+  </p:extLst>
 </p:presentation>
 </file>
 
@@ -4093,8 +4098,8 @@
         </p:nvSpPr>
         <p:spPr>
           <a:xfrm>
-            <a:off x="254479" y="1006021"/>
-            <a:ext cx="4913139" cy="3108543"/>
+            <a:off x="254479" y="2348390"/>
+            <a:ext cx="4913139" cy="646331"/>
           </a:xfrm>
           <a:prstGeom prst="rect">
             <a:avLst/>
@@ -4106,163 +4111,6 @@
             <a:spAutoFit/>
           </a:bodyPr>
           <a:lstStyle/>
-          <a:p>
-            <a:r>
-              <a:rPr lang="en-US" altLang="zh-CN" sz="1600" b="1" dirty="0"/>
-              <a:t>SRSF:</a:t>
-            </a:r>
-          </a:p>
-          <a:p>
-            <a:r>
-              <a:rPr lang="en-US" altLang="zh-CN" sz="1600" dirty="0"/>
-              <a:t>5k</a:t>
-            </a:r>
-            <a:r>
-              <a:rPr lang="zh-CN" altLang="en-US" sz="1600" dirty="0"/>
-              <a:t> </a:t>
-            </a:r>
-            <a:r>
-              <a:rPr lang="en-US" altLang="zh-CN" sz="1600" dirty="0"/>
-              <a:t>request </a:t>
-            </a:r>
-            <a:r>
-              <a:rPr lang="zh-CN" altLang="en-US" sz="1600" dirty="0"/>
-              <a:t> </a:t>
-            </a:r>
-            <a:r>
-              <a:rPr lang="en-US" altLang="zh-CN" sz="1600" dirty="0"/>
-              <a:t>proportion</a:t>
-            </a:r>
-            <a:r>
-              <a:rPr lang="zh-CN" altLang="en-US" sz="1600" dirty="0"/>
-              <a:t>: 59.00</a:t>
-            </a:r>
-          </a:p>
-          <a:p>
-            <a:r>
-              <a:rPr lang="en-US" altLang="zh-CN" sz="1600" dirty="0"/>
-              <a:t>40k</a:t>
-            </a:r>
-            <a:r>
-              <a:rPr lang="zh-CN" altLang="en-US" sz="1600" dirty="0"/>
-              <a:t> </a:t>
-            </a:r>
-            <a:r>
-              <a:rPr lang="en-US" altLang="zh-CN" sz="1600" dirty="0"/>
-              <a:t>requests proportion</a:t>
-            </a:r>
-            <a:r>
-              <a:rPr lang="zh-CN" altLang="en-US" sz="1600" dirty="0"/>
-              <a:t>: 21.87</a:t>
-            </a:r>
-          </a:p>
-          <a:p>
-            <a:r>
-              <a:rPr lang="en-US" altLang="zh-CN" sz="1600" dirty="0"/>
-              <a:t>105k</a:t>
-            </a:r>
-            <a:r>
-              <a:rPr lang="zh-CN" altLang="en-US" sz="1600" dirty="0"/>
-              <a:t> </a:t>
-            </a:r>
-            <a:r>
-              <a:rPr lang="en-US" altLang="zh-CN" sz="1600" dirty="0"/>
-              <a:t>requests proportion</a:t>
-            </a:r>
-            <a:r>
-              <a:rPr lang="zh-CN" altLang="en-US" sz="1600" dirty="0"/>
-              <a:t>: 13.48</a:t>
-            </a:r>
-          </a:p>
-          <a:p>
-            <a:r>
-              <a:rPr lang="en-US" altLang="zh-CN" sz="1600" dirty="0"/>
-              <a:t>305k</a:t>
-            </a:r>
-            <a:r>
-              <a:rPr lang="zh-CN" altLang="en-US" sz="1600" dirty="0"/>
-              <a:t> </a:t>
-            </a:r>
-            <a:r>
-              <a:rPr lang="en-US" altLang="zh-CN" sz="1600" dirty="0"/>
-              <a:t>requests proportion</a:t>
-            </a:r>
-            <a:r>
-              <a:rPr lang="zh-CN" altLang="en-US" sz="1600" dirty="0"/>
-              <a:t>: 5.63</a:t>
-            </a:r>
-            <a:endParaRPr lang="en-US" altLang="zh-CN" sz="1600" dirty="0"/>
-          </a:p>
-          <a:p>
-            <a:r>
-              <a:rPr lang="en-US" altLang="zh-CN" sz="1600" b="1" dirty="0"/>
-              <a:t>EDF:</a:t>
-            </a:r>
-          </a:p>
-          <a:p>
-            <a:r>
-              <a:rPr lang="en-US" altLang="zh-CN" sz="1600" dirty="0"/>
-              <a:t>5k</a:t>
-            </a:r>
-            <a:r>
-              <a:rPr lang="zh-CN" altLang="en-US" sz="1600" dirty="0"/>
-              <a:t> </a:t>
-            </a:r>
-            <a:r>
-              <a:rPr lang="en-US" altLang="zh-CN" sz="1600" dirty="0"/>
-              <a:t>request </a:t>
-            </a:r>
-            <a:r>
-              <a:rPr lang="zh-CN" altLang="en-US" sz="1600" dirty="0"/>
-              <a:t> </a:t>
-            </a:r>
-            <a:r>
-              <a:rPr lang="en-US" altLang="zh-CN" sz="1600" dirty="0"/>
-              <a:t>proportion : 59.04</a:t>
-            </a:r>
-          </a:p>
-          <a:p>
-            <a:r>
-              <a:rPr lang="en-US" altLang="zh-CN" sz="1600" dirty="0"/>
-              <a:t>40k</a:t>
-            </a:r>
-            <a:r>
-              <a:rPr lang="zh-CN" altLang="en-US" sz="1600" dirty="0"/>
-              <a:t> </a:t>
-            </a:r>
-            <a:r>
-              <a:rPr lang="en-US" altLang="zh-CN" sz="1600" dirty="0"/>
-              <a:t>requests proportion : 21.85</a:t>
-            </a:r>
-          </a:p>
-          <a:p>
-            <a:r>
-              <a:rPr lang="en-US" altLang="zh-CN" sz="1600" dirty="0"/>
-              <a:t>105k</a:t>
-            </a:r>
-            <a:r>
-              <a:rPr lang="zh-CN" altLang="en-US" sz="1600" dirty="0"/>
-              <a:t> </a:t>
-            </a:r>
-            <a:r>
-              <a:rPr lang="en-US" altLang="zh-CN" sz="1600" dirty="0"/>
-              <a:t>requests proportion : 13.46</a:t>
-            </a:r>
-          </a:p>
-          <a:p>
-            <a:r>
-              <a:rPr lang="en-US" altLang="zh-CN" sz="1600" dirty="0"/>
-              <a:t>305k</a:t>
-            </a:r>
-            <a:r>
-              <a:rPr lang="zh-CN" altLang="en-US" sz="1600" dirty="0"/>
-              <a:t> </a:t>
-            </a:r>
-            <a:r>
-              <a:rPr lang="en-US" altLang="zh-CN" sz="1600" dirty="0"/>
-              <a:t>requests proportion : 5.63</a:t>
-            </a:r>
-          </a:p>
           <a:p>
             <a:r>
               <a:rPr lang="en-US" altLang="zh-CN" dirty="0">
@@ -4482,7 +4330,7 @@
         </p:nvSpPr>
         <p:spPr>
           <a:xfrm>
-            <a:off x="254479" y="4082877"/>
+            <a:off x="254479" y="3429000"/>
             <a:ext cx="6187856" cy="2831544"/>
           </a:xfrm>
           <a:prstGeom prst="rect">
@@ -4611,6 +4459,36 @@
           </a:p>
         </p:txBody>
       </p:sp>
+      <p:pic>
+        <p:nvPicPr>
+          <p:cNvPr id="4" name="图片 3">
+            <a:extLst>
+              <a:ext uri="{FF2B5EF4-FFF2-40B4-BE49-F238E27FC236}">
+                <a16:creationId xmlns:a16="http://schemas.microsoft.com/office/drawing/2014/main" id="{828EE6FF-C8FC-4189-8EFB-575756EA68E7}"/>
+              </a:ext>
+            </a:extLst>
+          </p:cNvPr>
+          <p:cNvPicPr>
+            <a:picLocks noChangeAspect="1"/>
+          </p:cNvPicPr>
+          <p:nvPr/>
+        </p:nvPicPr>
+        <p:blipFill>
+          <a:blip r:embed="rId6"/>
+          <a:stretch>
+            <a:fillRect/>
+          </a:stretch>
+        </p:blipFill>
+        <p:spPr>
+          <a:xfrm>
+            <a:off x="323854" y="1217870"/>
+            <a:ext cx="3907674" cy="916616"/>
+          </a:xfrm>
+          <a:prstGeom prst="rect">
+            <a:avLst/>
+          </a:prstGeom>
+        </p:spPr>
+      </p:pic>
     </p:spTree>
     <p:extLst>
       <p:ext uri="{BB962C8B-B14F-4D97-AF65-F5344CB8AC3E}">
